--- a/presentation/Presentation.pptx
+++ b/presentation/Presentation.pptx
@@ -6,21 +6,26 @@
     <p:sldMasterId id="2147483722" r:id="rId2"/>
   </p:sldMasterIdLst>
   <p:notesMasterIdLst>
-    <p:notesMasterId r:id="rId12"/>
+    <p:notesMasterId r:id="rId17"/>
   </p:notesMasterIdLst>
   <p:handoutMasterIdLst>
-    <p:handoutMasterId r:id="rId13"/>
+    <p:handoutMasterId r:id="rId18"/>
   </p:handoutMasterIdLst>
   <p:sldIdLst>
     <p:sldId id="256" r:id="rId3"/>
-    <p:sldId id="1110" r:id="rId4"/>
-    <p:sldId id="987" r:id="rId5"/>
-    <p:sldId id="276" r:id="rId6"/>
-    <p:sldId id="283" r:id="rId7"/>
-    <p:sldId id="285" r:id="rId8"/>
-    <p:sldId id="1111" r:id="rId9"/>
-    <p:sldId id="1109" r:id="rId10"/>
-    <p:sldId id="1112" r:id="rId11"/>
+    <p:sldId id="1117" r:id="rId4"/>
+    <p:sldId id="1110" r:id="rId5"/>
+    <p:sldId id="987" r:id="rId6"/>
+    <p:sldId id="1114" r:id="rId7"/>
+    <p:sldId id="276" r:id="rId8"/>
+    <p:sldId id="283" r:id="rId9"/>
+    <p:sldId id="285" r:id="rId10"/>
+    <p:sldId id="1115" r:id="rId11"/>
+    <p:sldId id="1118" r:id="rId12"/>
+    <p:sldId id="1116" r:id="rId13"/>
+    <p:sldId id="1111" r:id="rId14"/>
+    <p:sldId id="1109" r:id="rId15"/>
+    <p:sldId id="1112" r:id="rId16"/>
   </p:sldIdLst>
   <p:sldSz cx="12192000" cy="6858000"/>
   <p:notesSz cx="6858000" cy="10013950"/>
@@ -224,7 +229,7 @@
             <a:fld id="{0BDFA857-2522-43A0-A715-2E459C56A198}" type="datetimeFigureOut">
               <a:rPr lang="da-DK" smtClean="0"/>
               <a:pPr/>
-              <a:t>25-05-2025</a:t>
+              <a:t>26-05-2025</a:t>
             </a:fld>
             <a:endParaRPr lang="da-DK"/>
           </a:p>
@@ -391,7 +396,7 @@
             <a:fld id="{DF18539A-412E-4890-BAE7-146FC9254F78}" type="datetimeFigureOut">
               <a:rPr lang="da-DK" smtClean="0"/>
               <a:pPr/>
-              <a:t>25-05-2025</a:t>
+              <a:t>26-05-2025</a:t>
             </a:fld>
             <a:endParaRPr lang="da-DK"/>
           </a:p>
@@ -835,6 +840,103 @@
 </p:notes>
 </file>
 
+<file path=ppt/notesSlides/notesSlide3.xml><?xml version="1.0" encoding="utf-8"?>
+<p:notes xmlns:a="http://schemas.openxmlformats.org/drawingml/2006/main" xmlns:r="http://schemas.openxmlformats.org/officeDocument/2006/relationships" xmlns:p="http://schemas.openxmlformats.org/presentationml/2006/main">
+  <p:cSld>
+    <p:spTree>
+      <p:nvGrpSpPr>
+        <p:cNvPr id="1" name=""/>
+        <p:cNvGrpSpPr/>
+        <p:nvPr/>
+      </p:nvGrpSpPr>
+      <p:grpSpPr>
+        <a:xfrm>
+          <a:off x="0" y="0"/>
+          <a:ext cx="0" cy="0"/>
+          <a:chOff x="0" y="0"/>
+          <a:chExt cx="0" cy="0"/>
+        </a:xfrm>
+      </p:grpSpPr>
+      <p:sp>
+        <p:nvSpPr>
+          <p:cNvPr id="2" name="Slide Image Placeholder 1"/>
+          <p:cNvSpPr>
+            <a:spLocks noGrp="1" noRot="1" noChangeAspect="1"/>
+          </p:cNvSpPr>
+          <p:nvPr>
+            <p:ph type="sldImg"/>
+          </p:nvPr>
+        </p:nvSpPr>
+        <p:spPr/>
+      </p:sp>
+      <p:sp>
+        <p:nvSpPr>
+          <p:cNvPr id="3" name="Notes Placeholder 2"/>
+          <p:cNvSpPr>
+            <a:spLocks noGrp="1"/>
+          </p:cNvSpPr>
+          <p:nvPr>
+            <p:ph type="body" idx="1"/>
+          </p:nvPr>
+        </p:nvSpPr>
+        <p:spPr/>
+        <p:txBody>
+          <a:bodyPr/>
+          <a:lstStyle/>
+          <a:p>
+            <a:r>
+              <a:rPr lang="da-DK" dirty="0" err="1"/>
+              <a:t>AddAWSLambdaHosting</a:t>
+            </a:r>
+            <a:r>
+              <a:rPr lang="da-DK" dirty="0"/>
+              <a:t>() or </a:t>
+            </a:r>
+            <a:r>
+              <a:rPr lang="da-DK" dirty="0" err="1"/>
+              <a:t>similar</a:t>
+            </a:r>
+            <a:endParaRPr lang="da-DK" dirty="0"/>
+          </a:p>
+        </p:txBody>
+      </p:sp>
+      <p:sp>
+        <p:nvSpPr>
+          <p:cNvPr id="4" name="Slide Number Placeholder 3"/>
+          <p:cNvSpPr>
+            <a:spLocks noGrp="1"/>
+          </p:cNvSpPr>
+          <p:nvPr>
+            <p:ph type="sldNum" sz="quarter" idx="5"/>
+          </p:nvPr>
+        </p:nvSpPr>
+        <p:spPr/>
+        <p:txBody>
+          <a:bodyPr/>
+          <a:lstStyle/>
+          <a:p>
+            <a:fld id="{DAB48561-AAC0-4226-BE68-3360D8D0BF2F}" type="slidenum">
+              <a:rPr lang="da-DK" smtClean="0"/>
+              <a:pPr/>
+              <a:t>11</a:t>
+            </a:fld>
+            <a:endParaRPr lang="da-DK"/>
+          </a:p>
+        </p:txBody>
+      </p:sp>
+    </p:spTree>
+    <p:extLst>
+      <p:ext uri="{BB962C8B-B14F-4D97-AF65-F5344CB8AC3E}">
+        <p14:creationId xmlns:p14="http://schemas.microsoft.com/office/powerpoint/2010/main" val="2874608326"/>
+      </p:ext>
+    </p:extLst>
+  </p:cSld>
+  <p:clrMapOvr>
+    <a:masterClrMapping/>
+  </p:clrMapOvr>
+</p:notes>
+</file>
+
 <file path=ppt/slideLayouts/slideLayout1.xml><?xml version="1.0" encoding="utf-8"?>
 <p:sldLayout xmlns:a="http://schemas.openxmlformats.org/drawingml/2006/main" xmlns:r="http://schemas.openxmlformats.org/officeDocument/2006/relationships" xmlns:p="http://schemas.openxmlformats.org/presentationml/2006/main" showMasterSp="0" type="title" preserve="1">
   <p:cSld name="Title Slide">
@@ -1130,7 +1232,7 @@
               <a:pPr>
                 <a:defRPr/>
               </a:pPr>
-              <a:t>25-05-2025</a:t>
+              <a:t>26-05-2025</a:t>
             </a:fld>
             <a:endParaRPr lang="da-DK"/>
           </a:p>
@@ -1261,7 +1363,7 @@
             <a:fld id="{D2FD1E4D-6B93-4EE9-8A10-B8AD336451E2}" type="datetimeFigureOut">
               <a:rPr lang="da-DK" smtClean="0"/>
               <a:pPr/>
-              <a:t>25-05-2025</a:t>
+              <a:t>26-05-2025</a:t>
             </a:fld>
             <a:endParaRPr lang="da-DK"/>
           </a:p>
@@ -1420,7 +1522,7 @@
             <a:fld id="{D2FD1E4D-6B93-4EE9-8A10-B8AD336451E2}" type="datetimeFigureOut">
               <a:rPr lang="da-DK" smtClean="0"/>
               <a:pPr/>
-              <a:t>25-05-2025</a:t>
+              <a:t>26-05-2025</a:t>
             </a:fld>
             <a:endParaRPr lang="da-DK"/>
           </a:p>
@@ -1559,7 +1661,7 @@
             <a:fld id="{D2FD1E4D-6B93-4EE9-8A10-B8AD336451E2}" type="datetimeFigureOut">
               <a:rPr lang="da-DK" smtClean="0"/>
               <a:pPr/>
-              <a:t>25-05-2025</a:t>
+              <a:t>26-05-2025</a:t>
             </a:fld>
             <a:endParaRPr lang="da-DK"/>
           </a:p>
@@ -1947,7 +2049,7 @@
             <a:fld id="{D2FD1E4D-6B93-4EE9-8A10-B8AD336451E2}" type="datetimeFigureOut">
               <a:rPr lang="da-DK" smtClean="0"/>
               <a:pPr/>
-              <a:t>25-05-2025</a:t>
+              <a:t>26-05-2025</a:t>
             </a:fld>
             <a:endParaRPr lang="da-DK"/>
           </a:p>
@@ -2595,7 +2697,7 @@
             <a:fld id="{9578D6DB-6798-42D2-B9AD-FC6F1C72FC30}" type="datetimeFigureOut">
               <a:rPr lang="en-US" smtClean="0"/>
               <a:pPr/>
-              <a:t>5/25/2025</a:t>
+              <a:t>5/26/2025</a:t>
             </a:fld>
             <a:endParaRPr lang="en-US"/>
           </a:p>
@@ -2765,7 +2867,7 @@
             <a:fld id="{425404F2-BE9A-4460-8815-8F645183555F}" type="datetimeFigureOut">
               <a:rPr lang="en-US" smtClean="0"/>
               <a:pPr/>
-              <a:t>5/25/2025</a:t>
+              <a:t>5/26/2025</a:t>
             </a:fld>
             <a:endParaRPr lang="en-US"/>
           </a:p>
@@ -3012,7 +3114,7 @@
             <a:fld id="{425404F2-BE9A-4460-8815-8F645183555F}" type="datetimeFigureOut">
               <a:rPr lang="en-US" smtClean="0"/>
               <a:pPr/>
-              <a:t>5/25/2025</a:t>
+              <a:t>5/26/2025</a:t>
             </a:fld>
             <a:endParaRPr lang="en-US"/>
           </a:p>
@@ -3299,7 +3401,7 @@
             <a:fld id="{425404F2-BE9A-4460-8815-8F645183555F}" type="datetimeFigureOut">
               <a:rPr lang="en-US" smtClean="0"/>
               <a:pPr/>
-              <a:t>5/25/2025</a:t>
+              <a:t>5/26/2025</a:t>
             </a:fld>
             <a:endParaRPr lang="en-US"/>
           </a:p>
@@ -3458,7 +3560,7 @@
             <a:fld id="{D2FD1E4D-6B93-4EE9-8A10-B8AD336451E2}" type="datetimeFigureOut">
               <a:rPr lang="da-DK" smtClean="0"/>
               <a:pPr/>
-              <a:t>25-05-2025</a:t>
+              <a:t>26-05-2025</a:t>
             </a:fld>
             <a:endParaRPr lang="da-DK"/>
           </a:p>
@@ -3916,7 +4018,7 @@
             <a:fld id="{425404F2-BE9A-4460-8815-8F645183555F}" type="datetimeFigureOut">
               <a:rPr lang="en-US" smtClean="0"/>
               <a:pPr/>
-              <a:t>5/25/2025</a:t>
+              <a:t>5/26/2025</a:t>
             </a:fld>
             <a:endParaRPr lang="en-US"/>
           </a:p>
@@ -4041,7 +4143,7 @@
             <a:fld id="{425404F2-BE9A-4460-8815-8F645183555F}" type="datetimeFigureOut">
               <a:rPr lang="en-US" smtClean="0"/>
               <a:pPr/>
-              <a:t>5/25/2025</a:t>
+              <a:t>5/26/2025</a:t>
             </a:fld>
             <a:endParaRPr lang="en-US"/>
           </a:p>
@@ -4138,7 +4240,7 @@
             <a:fld id="{425404F2-BE9A-4460-8815-8F645183555F}" type="datetimeFigureOut">
               <a:rPr lang="en-US" smtClean="0"/>
               <a:pPr/>
-              <a:t>5/25/2025</a:t>
+              <a:t>5/26/2025</a:t>
             </a:fld>
             <a:endParaRPr lang="en-US"/>
           </a:p>
@@ -4415,7 +4517,7 @@
             <a:fld id="{425404F2-BE9A-4460-8815-8F645183555F}" type="datetimeFigureOut">
               <a:rPr lang="en-US" smtClean="0"/>
               <a:pPr/>
-              <a:t>5/25/2025</a:t>
+              <a:t>5/26/2025</a:t>
             </a:fld>
             <a:endParaRPr lang="en-US"/>
           </a:p>
@@ -4669,7 +4771,7 @@
             <a:fld id="{425404F2-BE9A-4460-8815-8F645183555F}" type="datetimeFigureOut">
               <a:rPr lang="en-US" smtClean="0"/>
               <a:pPr/>
-              <a:t>5/25/2025</a:t>
+              <a:t>5/26/2025</a:t>
             </a:fld>
             <a:endParaRPr lang="en-US"/>
           </a:p>
@@ -4839,7 +4941,7 @@
             <a:fld id="{425404F2-BE9A-4460-8815-8F645183555F}" type="datetimeFigureOut">
               <a:rPr lang="en-US" smtClean="0"/>
               <a:pPr/>
-              <a:t>5/25/2025</a:t>
+              <a:t>5/26/2025</a:t>
             </a:fld>
             <a:endParaRPr lang="en-US"/>
           </a:p>
@@ -5019,7 +5121,7 @@
             <a:fld id="{425404F2-BE9A-4460-8815-8F645183555F}" type="datetimeFigureOut">
               <a:rPr lang="en-US" smtClean="0"/>
               <a:pPr/>
-              <a:t>5/25/2025</a:t>
+              <a:t>5/26/2025</a:t>
             </a:fld>
             <a:endParaRPr lang="en-US"/>
           </a:p>
@@ -5185,7 +5287,7 @@
             <a:fld id="{425404F2-BE9A-4460-8815-8F645183555F}" type="datetimeFigureOut">
               <a:rPr lang="en-US" smtClean="0"/>
               <a:pPr/>
-              <a:t>5/25/2025</a:t>
+              <a:t>5/26/2025</a:t>
             </a:fld>
             <a:endParaRPr lang="en-US"/>
           </a:p>
@@ -5287,7 +5389,7 @@
             <a:fld id="{D2FD1E4D-6B93-4EE9-8A10-B8AD336451E2}" type="datetimeFigureOut">
               <a:rPr lang="da-DK" smtClean="0"/>
               <a:pPr/>
-              <a:t>25-05-2025</a:t>
+              <a:t>26-05-2025</a:t>
             </a:fld>
             <a:endParaRPr lang="da-DK"/>
           </a:p>
@@ -5675,7 +5777,7 @@
             <a:fld id="{D2FD1E4D-6B93-4EE9-8A10-B8AD336451E2}" type="datetimeFigureOut">
               <a:rPr lang="da-DK" smtClean="0"/>
               <a:pPr/>
-              <a:t>25-05-2025</a:t>
+              <a:t>26-05-2025</a:t>
             </a:fld>
             <a:endParaRPr lang="da-DK"/>
           </a:p>
@@ -6022,7 +6124,7 @@
             <a:fld id="{D2FD1E4D-6B93-4EE9-8A10-B8AD336451E2}" type="datetimeFigureOut">
               <a:rPr lang="da-DK" smtClean="0"/>
               <a:pPr/>
-              <a:t>25-05-2025</a:t>
+              <a:t>26-05-2025</a:t>
             </a:fld>
             <a:endParaRPr lang="da-DK"/>
           </a:p>
@@ -6161,7 +6263,7 @@
             <a:fld id="{D2FD1E4D-6B93-4EE9-8A10-B8AD336451E2}" type="datetimeFigureOut">
               <a:rPr lang="da-DK" smtClean="0"/>
               <a:pPr/>
-              <a:t>25-05-2025</a:t>
+              <a:t>26-05-2025</a:t>
             </a:fld>
             <a:endParaRPr lang="da-DK"/>
           </a:p>
@@ -6549,7 +6651,7 @@
             <a:fld id="{D2FD1E4D-6B93-4EE9-8A10-B8AD336451E2}" type="datetimeFigureOut">
               <a:rPr lang="da-DK" smtClean="0"/>
               <a:pPr/>
-              <a:t>25-05-2025</a:t>
+              <a:t>26-05-2025</a:t>
             </a:fld>
             <a:endParaRPr lang="da-DK"/>
           </a:p>
@@ -6965,7 +7067,7 @@
               <a:pPr>
                 <a:defRPr/>
               </a:pPr>
-              <a:t>25-05-2025</a:t>
+              <a:t>26-05-2025</a:t>
             </a:fld>
             <a:endParaRPr lang="da-DK">
               <a:solidFill>
@@ -7567,7 +7669,7 @@
             <a:fld id="{425404F2-BE9A-4460-8815-8F645183555F}" type="datetimeFigureOut">
               <a:rPr lang="en-US" smtClean="0"/>
               <a:pPr/>
-              <a:t>5/25/2025</a:t>
+              <a:t>5/26/2025</a:t>
             </a:fld>
             <a:endParaRPr lang="en-US"/>
           </a:p>
@@ -8111,7 +8213,985 @@
 </p:sld>
 </file>
 
+<file path=ppt/slides/slide10.xml><?xml version="1.0" encoding="utf-8"?>
+<p:sld xmlns:a="http://schemas.openxmlformats.org/drawingml/2006/main" xmlns:r="http://schemas.openxmlformats.org/officeDocument/2006/relationships" xmlns:p="http://schemas.openxmlformats.org/presentationml/2006/main">
+  <p:cSld>
+    <p:spTree>
+      <p:nvGrpSpPr>
+        <p:cNvPr id="1" name=""/>
+        <p:cNvGrpSpPr/>
+        <p:nvPr/>
+      </p:nvGrpSpPr>
+      <p:grpSpPr>
+        <a:xfrm>
+          <a:off x="0" y="0"/>
+          <a:ext cx="0" cy="0"/>
+          <a:chOff x="0" y="0"/>
+          <a:chExt cx="0" cy="0"/>
+        </a:xfrm>
+      </p:grpSpPr>
+      <p:sp>
+        <p:nvSpPr>
+          <p:cNvPr id="2" name="Content Placeholder 1">
+            <a:extLst>
+              <a:ext uri="{FF2B5EF4-FFF2-40B4-BE49-F238E27FC236}">
+                <a16:creationId xmlns:a16="http://schemas.microsoft.com/office/drawing/2014/main" id="{8ED89C3E-12D6-E92E-55CF-541409ECAE55}"/>
+              </a:ext>
+            </a:extLst>
+          </p:cNvPr>
+          <p:cNvSpPr>
+            <a:spLocks noGrp="1"/>
+          </p:cNvSpPr>
+          <p:nvPr>
+            <p:ph idx="1"/>
+          </p:nvPr>
+        </p:nvSpPr>
+        <p:spPr>
+          <a:xfrm>
+            <a:off x="609600" y="1481329"/>
+            <a:ext cx="10959008" cy="5044015"/>
+          </a:xfrm>
+        </p:spPr>
+        <p:txBody>
+          <a:bodyPr>
+            <a:normAutofit fontScale="92500" lnSpcReduction="20000"/>
+          </a:bodyPr>
+          <a:lstStyle/>
+          <a:p>
+            <a:r>
+              <a:rPr lang="da-DK" sz="2400" b="1" dirty="0" err="1"/>
+              <a:t>Generate</a:t>
+            </a:r>
+            <a:r>
+              <a:rPr lang="da-DK" sz="2400" b="1" dirty="0"/>
+              <a:t> </a:t>
+            </a:r>
+            <a:r>
+              <a:rPr lang="da-DK" sz="2400" b="1" dirty="0" err="1"/>
+              <a:t>Token</a:t>
+            </a:r>
+            <a:endParaRPr lang="da-DK" sz="2400" b="1" dirty="0"/>
+          </a:p>
+          <a:p>
+            <a:endParaRPr lang="da-DK" sz="2400" dirty="0"/>
+          </a:p>
+          <a:p>
+            <a:r>
+              <a:rPr lang="da-DK" sz="2400" b="1" dirty="0" err="1"/>
+              <a:t>Create</a:t>
+            </a:r>
+            <a:r>
+              <a:rPr lang="da-DK" sz="2400" b="1" dirty="0"/>
+              <a:t> Submission for User</a:t>
+            </a:r>
+          </a:p>
+          <a:p>
+            <a:pPr lvl="1"/>
+            <a:r>
+              <a:rPr lang="da-DK" sz="2000" dirty="0"/>
+              <a:t>Permissions </a:t>
+            </a:r>
+            <a:r>
+              <a:rPr lang="da-DK" sz="2000" dirty="0" err="1"/>
+              <a:t>required</a:t>
+            </a:r>
+            <a:r>
+              <a:rPr lang="da-DK" sz="2000" dirty="0"/>
+              <a:t>: </a:t>
+            </a:r>
+            <a:r>
+              <a:rPr lang="da-DK" sz="2000" b="1" dirty="0" err="1"/>
+              <a:t>create:submission</a:t>
+            </a:r>
+            <a:r>
+              <a:rPr lang="da-DK" sz="2000" dirty="0"/>
+              <a:t>. </a:t>
+            </a:r>
+            <a:r>
+              <a:rPr lang="da-DK" sz="2000" dirty="0" err="1"/>
+              <a:t>Policies</a:t>
+            </a:r>
+            <a:r>
+              <a:rPr lang="da-DK" sz="2000" dirty="0"/>
+              <a:t> </a:t>
+            </a:r>
+            <a:r>
+              <a:rPr lang="da-DK" sz="2000" dirty="0" err="1"/>
+              <a:t>required</a:t>
+            </a:r>
+            <a:r>
+              <a:rPr lang="da-DK" sz="2000" dirty="0"/>
+              <a:t>: </a:t>
+            </a:r>
+            <a:r>
+              <a:rPr lang="da-DK" sz="2000" b="1" dirty="0"/>
+              <a:t>User or </a:t>
+            </a:r>
+            <a:r>
+              <a:rPr lang="da-DK" sz="2000" b="1" dirty="0" err="1"/>
+              <a:t>Admin</a:t>
+            </a:r>
+            <a:endParaRPr lang="da-DK" sz="2000" b="1" dirty="0"/>
+          </a:p>
+          <a:p>
+            <a:endParaRPr lang="da-DK" sz="2400" dirty="0"/>
+          </a:p>
+          <a:p>
+            <a:r>
+              <a:rPr lang="da-DK" sz="2400" b="1" dirty="0"/>
+              <a:t>Upload Image to Submission</a:t>
+            </a:r>
+          </a:p>
+          <a:p>
+            <a:pPr lvl="1"/>
+            <a:r>
+              <a:rPr lang="da-DK" sz="2000" dirty="0"/>
+              <a:t>Permissions </a:t>
+            </a:r>
+            <a:r>
+              <a:rPr lang="da-DK" sz="2000" dirty="0" err="1"/>
+              <a:t>required</a:t>
+            </a:r>
+            <a:r>
+              <a:rPr lang="da-DK" sz="2000" dirty="0"/>
+              <a:t>: </a:t>
+            </a:r>
+            <a:r>
+              <a:rPr lang="da-DK" sz="2000" b="1" dirty="0" err="1"/>
+              <a:t>upload:submission</a:t>
+            </a:r>
+            <a:r>
+              <a:rPr lang="da-DK" sz="2000" dirty="0"/>
+              <a:t>. </a:t>
+            </a:r>
+            <a:r>
+              <a:rPr lang="da-DK" sz="2000" dirty="0" err="1"/>
+              <a:t>Policies</a:t>
+            </a:r>
+            <a:r>
+              <a:rPr lang="da-DK" sz="2000" dirty="0"/>
+              <a:t> </a:t>
+            </a:r>
+            <a:r>
+              <a:rPr lang="da-DK" sz="2000" dirty="0" err="1"/>
+              <a:t>required</a:t>
+            </a:r>
+            <a:r>
+              <a:rPr lang="da-DK" sz="2000" dirty="0"/>
+              <a:t>: </a:t>
+            </a:r>
+            <a:r>
+              <a:rPr lang="da-DK" sz="2000" b="1" dirty="0"/>
+              <a:t>User or </a:t>
+            </a:r>
+            <a:r>
+              <a:rPr lang="da-DK" sz="2000" b="1" dirty="0" err="1"/>
+              <a:t>Admin</a:t>
+            </a:r>
+            <a:endParaRPr lang="da-DK" sz="2000" b="1" dirty="0"/>
+          </a:p>
+          <a:p>
+            <a:endParaRPr lang="da-DK" sz="2400" dirty="0"/>
+          </a:p>
+          <a:p>
+            <a:r>
+              <a:rPr lang="da-DK" sz="2400" b="1" dirty="0"/>
+              <a:t>Search Submissions for Item </a:t>
+            </a:r>
+            <a:r>
+              <a:rPr lang="da-DK" sz="2400" b="1" dirty="0" err="1"/>
+              <a:t>Name</a:t>
+            </a:r>
+            <a:endParaRPr lang="da-DK" sz="2000" b="1" dirty="0"/>
+          </a:p>
+          <a:p>
+            <a:endParaRPr lang="da-DK" sz="2400" dirty="0"/>
+          </a:p>
+          <a:p>
+            <a:r>
+              <a:rPr lang="da-DK" sz="2400" b="1" dirty="0" err="1"/>
+              <a:t>Create</a:t>
+            </a:r>
+            <a:r>
+              <a:rPr lang="da-DK" sz="2400" b="1" dirty="0"/>
+              <a:t> </a:t>
+            </a:r>
+            <a:r>
+              <a:rPr lang="da-DK" sz="2400" b="1" dirty="0" err="1"/>
+              <a:t>Vote</a:t>
+            </a:r>
+            <a:endParaRPr lang="da-DK" sz="2400" b="1" dirty="0"/>
+          </a:p>
+          <a:p>
+            <a:pPr lvl="1"/>
+            <a:r>
+              <a:rPr lang="da-DK" sz="2000" dirty="0"/>
+              <a:t>Permissions </a:t>
+            </a:r>
+            <a:r>
+              <a:rPr lang="da-DK" sz="2000" dirty="0" err="1"/>
+              <a:t>required</a:t>
+            </a:r>
+            <a:r>
+              <a:rPr lang="da-DK" sz="2000" dirty="0"/>
+              <a:t>: </a:t>
+            </a:r>
+            <a:r>
+              <a:rPr lang="da-DK" sz="2000" b="1" dirty="0" err="1"/>
+              <a:t>create:vote</a:t>
+            </a:r>
+            <a:r>
+              <a:rPr lang="da-DK" sz="2000" dirty="0"/>
+              <a:t>. </a:t>
+            </a:r>
+            <a:r>
+              <a:rPr lang="da-DK" sz="2000" dirty="0" err="1"/>
+              <a:t>Policies</a:t>
+            </a:r>
+            <a:r>
+              <a:rPr lang="da-DK" sz="2000" dirty="0"/>
+              <a:t> </a:t>
+            </a:r>
+            <a:r>
+              <a:rPr lang="da-DK" sz="2000" dirty="0" err="1"/>
+              <a:t>required</a:t>
+            </a:r>
+            <a:r>
+              <a:rPr lang="da-DK" sz="2000" dirty="0"/>
+              <a:t>: </a:t>
+            </a:r>
+            <a:r>
+              <a:rPr lang="da-DK" sz="2000" b="1" dirty="0"/>
+              <a:t>Not </a:t>
+            </a:r>
+            <a:r>
+              <a:rPr lang="da-DK" sz="2000" b="1" dirty="0" err="1"/>
+              <a:t>Own</a:t>
+            </a:r>
+            <a:r>
+              <a:rPr lang="da-DK" sz="2000" b="1" dirty="0"/>
+              <a:t> User</a:t>
+            </a:r>
+          </a:p>
+          <a:p>
+            <a:endParaRPr lang="da-DK" sz="2400" dirty="0"/>
+          </a:p>
+          <a:p>
+            <a:r>
+              <a:rPr lang="da-DK" sz="2400" b="1" dirty="0" err="1"/>
+              <a:t>Get</a:t>
+            </a:r>
+            <a:r>
+              <a:rPr lang="da-DK" sz="2400" b="1" dirty="0"/>
+              <a:t> </a:t>
+            </a:r>
+            <a:r>
+              <a:rPr lang="da-DK" sz="2400" b="1" dirty="0" err="1"/>
+              <a:t>Votes</a:t>
+            </a:r>
+            <a:r>
+              <a:rPr lang="da-DK" sz="2400" b="1" dirty="0"/>
+              <a:t> for Submission</a:t>
+            </a:r>
+          </a:p>
+          <a:p>
+            <a:pPr lvl="1"/>
+            <a:r>
+              <a:rPr lang="da-DK" sz="2000" dirty="0" err="1"/>
+              <a:t>Policies</a:t>
+            </a:r>
+            <a:r>
+              <a:rPr lang="da-DK" sz="2000" dirty="0"/>
+              <a:t> </a:t>
+            </a:r>
+            <a:r>
+              <a:rPr lang="da-DK" sz="2000" dirty="0" err="1"/>
+              <a:t>required</a:t>
+            </a:r>
+            <a:r>
+              <a:rPr lang="da-DK" sz="2000" dirty="0"/>
+              <a:t>: </a:t>
+            </a:r>
+            <a:r>
+              <a:rPr lang="da-DK" sz="2000" b="1" dirty="0" err="1"/>
+              <a:t>Admin</a:t>
+            </a:r>
+            <a:endParaRPr lang="da-DK" sz="2000" b="1" dirty="0"/>
+          </a:p>
+          <a:p>
+            <a:endParaRPr lang="da-DK" sz="2400" dirty="0"/>
+          </a:p>
+        </p:txBody>
+      </p:sp>
+      <p:sp>
+        <p:nvSpPr>
+          <p:cNvPr id="3" name="Title 2">
+            <a:extLst>
+              <a:ext uri="{FF2B5EF4-FFF2-40B4-BE49-F238E27FC236}">
+                <a16:creationId xmlns:a16="http://schemas.microsoft.com/office/drawing/2014/main" id="{C04ED6C4-41C3-1B91-1D1F-BC730D229381}"/>
+              </a:ext>
+            </a:extLst>
+          </p:cNvPr>
+          <p:cNvSpPr>
+            <a:spLocks noGrp="1"/>
+          </p:cNvSpPr>
+          <p:nvPr>
+            <p:ph type="title"/>
+          </p:nvPr>
+        </p:nvSpPr>
+        <p:spPr/>
+        <p:txBody>
+          <a:bodyPr/>
+          <a:lstStyle/>
+          <a:p>
+            <a:r>
+              <a:rPr lang="da-DK" dirty="0"/>
+              <a:t>Permissions and </a:t>
+            </a:r>
+            <a:r>
+              <a:rPr lang="da-DK" dirty="0" err="1"/>
+              <a:t>Policies</a:t>
+            </a:r>
+            <a:endParaRPr lang="da-DK" dirty="0"/>
+          </a:p>
+        </p:txBody>
+      </p:sp>
+    </p:spTree>
+    <p:extLst>
+      <p:ext uri="{BB962C8B-B14F-4D97-AF65-F5344CB8AC3E}">
+        <p14:creationId xmlns:p14="http://schemas.microsoft.com/office/powerpoint/2010/main" val="2975492218"/>
+      </p:ext>
+    </p:extLst>
+  </p:cSld>
+  <p:clrMapOvr>
+    <a:masterClrMapping/>
+  </p:clrMapOvr>
+</p:sld>
+</file>
+
+<file path=ppt/slides/slide11.xml><?xml version="1.0" encoding="utf-8"?>
+<p:sld xmlns:a="http://schemas.openxmlformats.org/drawingml/2006/main" xmlns:r="http://schemas.openxmlformats.org/officeDocument/2006/relationships" xmlns:p="http://schemas.openxmlformats.org/presentationml/2006/main">
+  <p:cSld>
+    <p:spTree>
+      <p:nvGrpSpPr>
+        <p:cNvPr id="1" name=""/>
+        <p:cNvGrpSpPr/>
+        <p:nvPr/>
+      </p:nvGrpSpPr>
+      <p:grpSpPr>
+        <a:xfrm>
+          <a:off x="0" y="0"/>
+          <a:ext cx="0" cy="0"/>
+          <a:chOff x="0" y="0"/>
+          <a:chExt cx="0" cy="0"/>
+        </a:xfrm>
+      </p:grpSpPr>
+      <p:sp>
+        <p:nvSpPr>
+          <p:cNvPr id="2" name="Content Placeholder 1">
+            <a:extLst>
+              <a:ext uri="{FF2B5EF4-FFF2-40B4-BE49-F238E27FC236}">
+                <a16:creationId xmlns:a16="http://schemas.microsoft.com/office/drawing/2014/main" id="{1E2DE0D3-577B-5DC5-580D-88E3DEF74711}"/>
+              </a:ext>
+            </a:extLst>
+          </p:cNvPr>
+          <p:cNvSpPr>
+            <a:spLocks noGrp="1"/>
+          </p:cNvSpPr>
+          <p:nvPr>
+            <p:ph idx="1"/>
+          </p:nvPr>
+        </p:nvSpPr>
+        <p:spPr/>
+        <p:txBody>
+          <a:bodyPr/>
+          <a:lstStyle/>
+          <a:p>
+            <a:r>
+              <a:rPr lang="da-DK" dirty="0"/>
+              <a:t>Minimal API </a:t>
+            </a:r>
+            <a:r>
+              <a:rPr lang="da-DK" dirty="0" err="1"/>
+              <a:t>deployed</a:t>
+            </a:r>
+            <a:r>
+              <a:rPr lang="da-DK" dirty="0"/>
+              <a:t> to AWS Lambda</a:t>
+            </a:r>
+          </a:p>
+          <a:p>
+            <a:pPr marL="109728" indent="0">
+              <a:buNone/>
+            </a:pPr>
+            <a:endParaRPr lang="da-DK" dirty="0"/>
+          </a:p>
+          <a:p>
+            <a:r>
+              <a:rPr lang="da-DK" dirty="0" err="1"/>
+              <a:t>Azure</a:t>
+            </a:r>
+            <a:r>
+              <a:rPr lang="da-DK" dirty="0"/>
+              <a:t> </a:t>
+            </a:r>
+            <a:r>
+              <a:rPr lang="da-DK" dirty="0" err="1"/>
+              <a:t>Blob</a:t>
+            </a:r>
+            <a:r>
+              <a:rPr lang="da-DK" dirty="0"/>
+              <a:t> Storage is </a:t>
+            </a:r>
+            <a:r>
+              <a:rPr lang="da-DK" dirty="0" err="1"/>
+              <a:t>slow</a:t>
+            </a:r>
+            <a:endParaRPr lang="da-DK" dirty="0"/>
+          </a:p>
+          <a:p>
+            <a:r>
+              <a:rPr lang="da-DK" dirty="0"/>
+              <a:t>Asynchronous </a:t>
+            </a:r>
+            <a:r>
+              <a:rPr lang="da-DK" dirty="0" err="1"/>
+              <a:t>request-reply</a:t>
+            </a:r>
+            <a:r>
+              <a:rPr lang="da-DK" dirty="0"/>
+              <a:t> Pattern</a:t>
+            </a:r>
+          </a:p>
+          <a:p>
+            <a:r>
+              <a:rPr lang="da-DK" dirty="0"/>
+              <a:t>Domain Events for </a:t>
+            </a:r>
+            <a:r>
+              <a:rPr lang="da-DK" dirty="0" err="1"/>
+              <a:t>processing</a:t>
+            </a:r>
+            <a:endParaRPr lang="da-DK" dirty="0"/>
+          </a:p>
+          <a:p>
+            <a:r>
+              <a:rPr lang="da-DK" dirty="0" err="1"/>
+              <a:t>Various</a:t>
+            </a:r>
+            <a:r>
+              <a:rPr lang="da-DK" dirty="0"/>
+              <a:t> </a:t>
+            </a:r>
+            <a:r>
+              <a:rPr lang="da-DK" dirty="0" err="1"/>
+              <a:t>possibilities</a:t>
+            </a:r>
+            <a:r>
+              <a:rPr lang="da-DK" dirty="0"/>
+              <a:t> for output caching and </a:t>
+            </a:r>
+            <a:r>
+              <a:rPr lang="da-DK" dirty="0" err="1"/>
+              <a:t>materialized</a:t>
+            </a:r>
+            <a:r>
+              <a:rPr lang="da-DK" dirty="0"/>
+              <a:t> views</a:t>
+            </a:r>
+          </a:p>
+          <a:p>
+            <a:pPr lvl="1"/>
+            <a:r>
+              <a:rPr lang="da-DK" dirty="0" err="1"/>
+              <a:t>Precompute</a:t>
+            </a:r>
+            <a:r>
+              <a:rPr lang="da-DK" dirty="0"/>
+              <a:t> </a:t>
+            </a:r>
+            <a:r>
+              <a:rPr lang="da-DK" dirty="0" err="1"/>
+              <a:t>popular</a:t>
+            </a:r>
+            <a:r>
+              <a:rPr lang="da-DK" dirty="0"/>
+              <a:t> </a:t>
+            </a:r>
+            <a:r>
+              <a:rPr lang="da-DK" dirty="0" err="1"/>
+              <a:t>searches</a:t>
+            </a:r>
+            <a:r>
+              <a:rPr lang="da-DK" dirty="0"/>
+              <a:t> etc.</a:t>
+            </a:r>
+          </a:p>
+          <a:p>
+            <a:endParaRPr lang="da-DK" dirty="0"/>
+          </a:p>
+        </p:txBody>
+      </p:sp>
+      <p:sp>
+        <p:nvSpPr>
+          <p:cNvPr id="3" name="Title 2">
+            <a:extLst>
+              <a:ext uri="{FF2B5EF4-FFF2-40B4-BE49-F238E27FC236}">
+                <a16:creationId xmlns:a16="http://schemas.microsoft.com/office/drawing/2014/main" id="{E32149C7-DE3A-9258-46F9-BB41C41C78F0}"/>
+              </a:ext>
+            </a:extLst>
+          </p:cNvPr>
+          <p:cNvSpPr>
+            <a:spLocks noGrp="1"/>
+          </p:cNvSpPr>
+          <p:nvPr>
+            <p:ph type="title"/>
+          </p:nvPr>
+        </p:nvSpPr>
+        <p:spPr/>
+        <p:txBody>
+          <a:bodyPr/>
+          <a:lstStyle/>
+          <a:p>
+            <a:r>
+              <a:rPr lang="da-DK" dirty="0" err="1"/>
+              <a:t>Scaling</a:t>
+            </a:r>
+            <a:r>
+              <a:rPr lang="da-DK" dirty="0"/>
+              <a:t> and </a:t>
+            </a:r>
+            <a:r>
+              <a:rPr lang="da-DK" dirty="0" err="1"/>
+              <a:t>Bottlenecks</a:t>
+            </a:r>
+            <a:endParaRPr lang="da-DK" dirty="0"/>
+          </a:p>
+        </p:txBody>
+      </p:sp>
+    </p:spTree>
+    <p:extLst>
+      <p:ext uri="{BB962C8B-B14F-4D97-AF65-F5344CB8AC3E}">
+        <p14:creationId xmlns:p14="http://schemas.microsoft.com/office/powerpoint/2010/main" val="3498835368"/>
+      </p:ext>
+    </p:extLst>
+  </p:cSld>
+  <p:clrMapOvr>
+    <a:masterClrMapping/>
+  </p:clrMapOvr>
+</p:sld>
+</file>
+
+<file path=ppt/slides/slide12.xml><?xml version="1.0" encoding="utf-8"?>
+<p:sld xmlns:a="http://schemas.openxmlformats.org/drawingml/2006/main" xmlns:r="http://schemas.openxmlformats.org/officeDocument/2006/relationships" xmlns:p="http://schemas.openxmlformats.org/presentationml/2006/main">
+  <p:cSld>
+    <p:spTree>
+      <p:nvGrpSpPr>
+        <p:cNvPr id="1" name="">
+          <a:extLst>
+            <a:ext uri="{FF2B5EF4-FFF2-40B4-BE49-F238E27FC236}">
+              <a16:creationId xmlns:a16="http://schemas.microsoft.com/office/drawing/2014/main" id="{E48929E8-FF47-A5BC-6BF2-C3683CFFF771}"/>
+            </a:ext>
+          </a:extLst>
+        </p:cNvPr>
+        <p:cNvGrpSpPr/>
+        <p:nvPr/>
+      </p:nvGrpSpPr>
+      <p:grpSpPr>
+        <a:xfrm>
+          <a:off x="0" y="0"/>
+          <a:ext cx="0" cy="0"/>
+          <a:chOff x="0" y="0"/>
+          <a:chExt cx="0" cy="0"/>
+        </a:xfrm>
+      </p:grpSpPr>
+      <p:sp>
+        <p:nvSpPr>
+          <p:cNvPr id="4" name="Title 3">
+            <a:extLst>
+              <a:ext uri="{FF2B5EF4-FFF2-40B4-BE49-F238E27FC236}">
+                <a16:creationId xmlns:a16="http://schemas.microsoft.com/office/drawing/2014/main" id="{2CFF7B6A-5442-5C75-EBC7-D14C958C7B5B}"/>
+              </a:ext>
+            </a:extLst>
+          </p:cNvPr>
+          <p:cNvSpPr>
+            <a:spLocks noGrp="1"/>
+          </p:cNvSpPr>
+          <p:nvPr>
+            <p:ph type="title"/>
+          </p:nvPr>
+        </p:nvSpPr>
+        <p:spPr/>
+        <p:txBody>
+          <a:bodyPr/>
+          <a:lstStyle/>
+          <a:p>
+            <a:r>
+              <a:rPr lang="da-DK" dirty="0"/>
+              <a:t>Part 2: </a:t>
+            </a:r>
+            <a:r>
+              <a:rPr lang="da-DK" dirty="0" err="1"/>
+              <a:t>Leadership</a:t>
+            </a:r>
+            <a:r>
+              <a:rPr lang="da-DK" dirty="0"/>
+              <a:t> and </a:t>
+            </a:r>
+            <a:r>
+              <a:rPr lang="da-DK" dirty="0" err="1"/>
+              <a:t>Communication</a:t>
+            </a:r>
+            <a:endParaRPr lang="da-DK" dirty="0"/>
+          </a:p>
+        </p:txBody>
+      </p:sp>
+    </p:spTree>
+    <p:extLst>
+      <p:ext uri="{BB962C8B-B14F-4D97-AF65-F5344CB8AC3E}">
+        <p14:creationId xmlns:p14="http://schemas.microsoft.com/office/powerpoint/2010/main" val="999278564"/>
+      </p:ext>
+    </p:extLst>
+  </p:cSld>
+  <p:clrMapOvr>
+    <a:masterClrMapping/>
+  </p:clrMapOvr>
+  <p:transition>
+    <p:wipe dir="u"/>
+  </p:transition>
+</p:sld>
+</file>
+
+<file path=ppt/slides/slide13.xml><?xml version="1.0" encoding="utf-8"?>
+<p:sld xmlns:a="http://schemas.openxmlformats.org/drawingml/2006/main" xmlns:r="http://schemas.openxmlformats.org/officeDocument/2006/relationships" xmlns:p="http://schemas.openxmlformats.org/presentationml/2006/main">
+  <p:cSld>
+    <p:spTree>
+      <p:nvGrpSpPr>
+        <p:cNvPr id="1" name=""/>
+        <p:cNvGrpSpPr/>
+        <p:nvPr/>
+      </p:nvGrpSpPr>
+      <p:grpSpPr>
+        <a:xfrm>
+          <a:off x="0" y="0"/>
+          <a:ext cx="0" cy="0"/>
+          <a:chOff x="0" y="0"/>
+          <a:chExt cx="0" cy="0"/>
+        </a:xfrm>
+      </p:grpSpPr>
+      <p:sp>
+        <p:nvSpPr>
+          <p:cNvPr id="2" name="Content Placeholder 1">
+            <a:extLst>
+              <a:ext uri="{FF2B5EF4-FFF2-40B4-BE49-F238E27FC236}">
+                <a16:creationId xmlns:a16="http://schemas.microsoft.com/office/drawing/2014/main" id="{3B8AA172-08A3-58D2-F093-34EC9C7E2582}"/>
+              </a:ext>
+            </a:extLst>
+          </p:cNvPr>
+          <p:cNvSpPr>
+            <a:spLocks noGrp="1"/>
+          </p:cNvSpPr>
+          <p:nvPr>
+            <p:ph idx="1"/>
+          </p:nvPr>
+        </p:nvSpPr>
+        <p:spPr/>
+        <p:txBody>
+          <a:bodyPr/>
+          <a:lstStyle/>
+          <a:p>
+            <a:r>
+              <a:rPr lang="da-DK" dirty="0"/>
+              <a:t>Short </a:t>
+            </a:r>
+            <a:r>
+              <a:rPr lang="da-DK" dirty="0" err="1"/>
+              <a:t>presentation</a:t>
+            </a:r>
+            <a:r>
+              <a:rPr lang="da-DK" dirty="0"/>
+              <a:t> of the system for stakeholders</a:t>
+            </a:r>
+          </a:p>
+          <a:p>
+            <a:r>
+              <a:rPr lang="da-DK" dirty="0" err="1"/>
+              <a:t>Prioritization</a:t>
+            </a:r>
+            <a:r>
+              <a:rPr lang="da-DK" dirty="0"/>
+              <a:t> </a:t>
+            </a:r>
+            <a:r>
+              <a:rPr lang="da-DK" dirty="0" err="1"/>
+              <a:t>influenced</a:t>
+            </a:r>
+            <a:r>
+              <a:rPr lang="da-DK" dirty="0"/>
+              <a:t> by stakeholders</a:t>
+            </a:r>
+          </a:p>
+          <a:p>
+            <a:r>
+              <a:rPr lang="da-DK" dirty="0"/>
+              <a:t>Challenges in team </a:t>
+            </a:r>
+            <a:r>
+              <a:rPr lang="da-DK" dirty="0" err="1"/>
+              <a:t>collaboration</a:t>
+            </a:r>
+            <a:endParaRPr lang="da-DK" dirty="0"/>
+          </a:p>
+        </p:txBody>
+      </p:sp>
+      <p:sp>
+        <p:nvSpPr>
+          <p:cNvPr id="3" name="Title 2">
+            <a:extLst>
+              <a:ext uri="{FF2B5EF4-FFF2-40B4-BE49-F238E27FC236}">
+                <a16:creationId xmlns:a16="http://schemas.microsoft.com/office/drawing/2014/main" id="{5EED856B-B4D8-ECA2-B78B-5083B008DB5A}"/>
+              </a:ext>
+            </a:extLst>
+          </p:cNvPr>
+          <p:cNvSpPr>
+            <a:spLocks noGrp="1"/>
+          </p:cNvSpPr>
+          <p:nvPr>
+            <p:ph type="title"/>
+          </p:nvPr>
+        </p:nvSpPr>
+        <p:spPr/>
+        <p:txBody>
+          <a:bodyPr/>
+          <a:lstStyle/>
+          <a:p>
+            <a:r>
+              <a:rPr lang="da-DK" dirty="0"/>
+              <a:t>Part 2 Agenda</a:t>
+            </a:r>
+          </a:p>
+        </p:txBody>
+      </p:sp>
+    </p:spTree>
+    <p:extLst>
+      <p:ext uri="{BB962C8B-B14F-4D97-AF65-F5344CB8AC3E}">
+        <p14:creationId xmlns:p14="http://schemas.microsoft.com/office/powerpoint/2010/main" val="1744374917"/>
+      </p:ext>
+    </p:extLst>
+  </p:cSld>
+  <p:clrMapOvr>
+    <a:masterClrMapping/>
+  </p:clrMapOvr>
+</p:sld>
+</file>
+
+<file path=ppt/slides/slide14.xml><?xml version="1.0" encoding="utf-8"?>
+<p:sld xmlns:a="http://schemas.openxmlformats.org/drawingml/2006/main" xmlns:r="http://schemas.openxmlformats.org/officeDocument/2006/relationships" xmlns:p="http://schemas.openxmlformats.org/presentationml/2006/main">
+  <p:cSld>
+    <p:spTree>
+      <p:nvGrpSpPr>
+        <p:cNvPr id="1" name="">
+          <a:extLst>
+            <a:ext uri="{FF2B5EF4-FFF2-40B4-BE49-F238E27FC236}">
+              <a16:creationId xmlns:a16="http://schemas.microsoft.com/office/drawing/2014/main" id="{54D30A38-8E37-ECFA-F838-6C038B075D03}"/>
+            </a:ext>
+          </a:extLst>
+        </p:cNvPr>
+        <p:cNvGrpSpPr/>
+        <p:nvPr/>
+      </p:nvGrpSpPr>
+      <p:grpSpPr>
+        <a:xfrm>
+          <a:off x="0" y="0"/>
+          <a:ext cx="0" cy="0"/>
+          <a:chOff x="0" y="0"/>
+          <a:chExt cx="0" cy="0"/>
+        </a:xfrm>
+      </p:grpSpPr>
+      <p:sp>
+        <p:nvSpPr>
+          <p:cNvPr id="2" name="Content Placeholder 1">
+            <a:extLst>
+              <a:ext uri="{FF2B5EF4-FFF2-40B4-BE49-F238E27FC236}">
+                <a16:creationId xmlns:a16="http://schemas.microsoft.com/office/drawing/2014/main" id="{BA16FB94-9F0E-F8D3-1073-B1CA6E5BA0FA}"/>
+              </a:ext>
+            </a:extLst>
+          </p:cNvPr>
+          <p:cNvSpPr>
+            <a:spLocks noGrp="1"/>
+          </p:cNvSpPr>
+          <p:nvPr>
+            <p:ph idx="1"/>
+          </p:nvPr>
+        </p:nvSpPr>
+        <p:spPr/>
+        <p:txBody>
+          <a:bodyPr/>
+          <a:lstStyle/>
+          <a:p>
+            <a:endParaRPr lang="da-DK"/>
+          </a:p>
+        </p:txBody>
+      </p:sp>
+      <p:sp>
+        <p:nvSpPr>
+          <p:cNvPr id="3" name="Title 2">
+            <a:extLst>
+              <a:ext uri="{FF2B5EF4-FFF2-40B4-BE49-F238E27FC236}">
+                <a16:creationId xmlns:a16="http://schemas.microsoft.com/office/drawing/2014/main" id="{131CE621-5A5A-653C-9CCD-C85EFE79E862}"/>
+              </a:ext>
+            </a:extLst>
+          </p:cNvPr>
+          <p:cNvSpPr>
+            <a:spLocks noGrp="1"/>
+          </p:cNvSpPr>
+          <p:nvPr>
+            <p:ph type="title"/>
+          </p:nvPr>
+        </p:nvSpPr>
+        <p:spPr/>
+        <p:txBody>
+          <a:bodyPr/>
+          <a:lstStyle/>
+          <a:p>
+            <a:r>
+              <a:rPr lang="da-DK" dirty="0" err="1"/>
+              <a:t>Questions</a:t>
+            </a:r>
+            <a:r>
+              <a:rPr lang="da-DK" dirty="0"/>
+              <a:t>…?</a:t>
+            </a:r>
+          </a:p>
+        </p:txBody>
+      </p:sp>
+    </p:spTree>
+    <p:extLst>
+      <p:ext uri="{BB962C8B-B14F-4D97-AF65-F5344CB8AC3E}">
+        <p14:creationId xmlns:p14="http://schemas.microsoft.com/office/powerpoint/2010/main" val="3346049628"/>
+      </p:ext>
+    </p:extLst>
+  </p:cSld>
+  <p:clrMapOvr>
+    <a:masterClrMapping/>
+  </p:clrMapOvr>
+</p:sld>
+</file>
+
 <file path=ppt/slides/slide2.xml><?xml version="1.0" encoding="utf-8"?>
+<p:sld xmlns:a="http://schemas.openxmlformats.org/drawingml/2006/main" xmlns:r="http://schemas.openxmlformats.org/officeDocument/2006/relationships" xmlns:p="http://schemas.openxmlformats.org/presentationml/2006/main">
+  <p:cSld>
+    <p:spTree>
+      <p:nvGrpSpPr>
+        <p:cNvPr id="1" name=""/>
+        <p:cNvGrpSpPr/>
+        <p:nvPr/>
+      </p:nvGrpSpPr>
+      <p:grpSpPr>
+        <a:xfrm>
+          <a:off x="0" y="0"/>
+          <a:ext cx="0" cy="0"/>
+          <a:chOff x="0" y="0"/>
+          <a:chExt cx="0" cy="0"/>
+        </a:xfrm>
+      </p:grpSpPr>
+      <p:sp>
+        <p:nvSpPr>
+          <p:cNvPr id="2" name="Content Placeholder 1">
+            <a:extLst>
+              <a:ext uri="{FF2B5EF4-FFF2-40B4-BE49-F238E27FC236}">
+                <a16:creationId xmlns:a16="http://schemas.microsoft.com/office/drawing/2014/main" id="{DF606271-E382-B8F9-9C67-DD5AB415DA20}"/>
+              </a:ext>
+            </a:extLst>
+          </p:cNvPr>
+          <p:cNvSpPr>
+            <a:spLocks noGrp="1"/>
+          </p:cNvSpPr>
+          <p:nvPr>
+            <p:ph idx="1"/>
+          </p:nvPr>
+        </p:nvSpPr>
+        <p:spPr/>
+        <p:txBody>
+          <a:bodyPr/>
+          <a:lstStyle/>
+          <a:p>
+            <a:r>
+              <a:rPr lang="da-DK" dirty="0"/>
+              <a:t>Part 1</a:t>
+            </a:r>
+          </a:p>
+          <a:p>
+            <a:r>
+              <a:rPr lang="da-DK" dirty="0"/>
+              <a:t>Part 2</a:t>
+            </a:r>
+          </a:p>
+          <a:p>
+            <a:endParaRPr lang="da-DK" dirty="0"/>
+          </a:p>
+          <a:p>
+            <a:r>
+              <a:rPr lang="da-DK" dirty="0"/>
+              <a:t>+ </a:t>
+            </a:r>
+            <a:r>
+              <a:rPr lang="da-DK" dirty="0" err="1"/>
+              <a:t>Questions</a:t>
+            </a:r>
+            <a:endParaRPr lang="da-DK" dirty="0"/>
+          </a:p>
+        </p:txBody>
+      </p:sp>
+      <p:sp>
+        <p:nvSpPr>
+          <p:cNvPr id="3" name="Title 2">
+            <a:extLst>
+              <a:ext uri="{FF2B5EF4-FFF2-40B4-BE49-F238E27FC236}">
+                <a16:creationId xmlns:a16="http://schemas.microsoft.com/office/drawing/2014/main" id="{741ABCF1-CAB8-558F-D603-02503703AD72}"/>
+              </a:ext>
+            </a:extLst>
+          </p:cNvPr>
+          <p:cNvSpPr>
+            <a:spLocks noGrp="1"/>
+          </p:cNvSpPr>
+          <p:nvPr>
+            <p:ph type="title"/>
+          </p:nvPr>
+        </p:nvSpPr>
+        <p:spPr/>
+        <p:txBody>
+          <a:bodyPr/>
+          <a:lstStyle/>
+          <a:p>
+            <a:r>
+              <a:rPr lang="da-DK" dirty="0"/>
+              <a:t>Agenda ~ 30+10 Minutes Maximum </a:t>
+            </a:r>
+            <a:r>
+              <a:rPr lang="da-DK" dirty="0">
+                <a:sym typeface="Wingdings" panose="05000000000000000000" pitchFamily="2" charset="2"/>
+              </a:rPr>
+              <a:t></a:t>
+            </a:r>
+            <a:endParaRPr lang="da-DK" dirty="0"/>
+          </a:p>
+        </p:txBody>
+      </p:sp>
+    </p:spTree>
+    <p:extLst>
+      <p:ext uri="{BB962C8B-B14F-4D97-AF65-F5344CB8AC3E}">
+        <p14:creationId xmlns:p14="http://schemas.microsoft.com/office/powerpoint/2010/main" val="3811698216"/>
+      </p:ext>
+    </p:extLst>
+  </p:cSld>
+  <p:clrMapOvr>
+    <a:masterClrMapping/>
+  </p:clrMapOvr>
+</p:sld>
+</file>
+
+<file path=ppt/slides/slide3.xml><?xml version="1.0" encoding="utf-8"?>
 <p:sld xmlns:a="http://schemas.openxmlformats.org/drawingml/2006/main" xmlns:r="http://schemas.openxmlformats.org/officeDocument/2006/relationships" xmlns:p="http://schemas.openxmlformats.org/presentationml/2006/main">
   <p:cSld>
     <p:spTree>
@@ -8177,7 +9257,7 @@
 </p:sld>
 </file>
 
-<file path=ppt/slides/slide3.xml><?xml version="1.0" encoding="utf-8"?>
+<file path=ppt/slides/slide4.xml><?xml version="1.0" encoding="utf-8"?>
 <p:sld xmlns:a="http://schemas.openxmlformats.org/drawingml/2006/main" xmlns:r="http://schemas.openxmlformats.org/officeDocument/2006/relationships" xmlns:p="http://schemas.openxmlformats.org/presentationml/2006/main">
   <p:cSld>
     <p:spTree>
@@ -8211,6 +9291,12 @@
           </a:bodyPr>
           <a:lstStyle/>
           <a:p>
+            <a:r>
+              <a:rPr lang="en-US" dirty="0"/>
+              <a:t>Design Principles</a:t>
+            </a:r>
+          </a:p>
+          <a:p>
             <a:pPr eaLnBrk="1" hangingPunct="1"/>
             <a:r>
               <a:rPr lang="en-US" dirty="0"/>
@@ -8221,18 +9307,17 @@
             <a:pPr eaLnBrk="1" hangingPunct="1"/>
             <a:r>
               <a:rPr lang="en-US" dirty="0"/>
-              <a:t>Design Principles</a:t>
+              <a:t>Security and User Privacy</a:t>
             </a:r>
           </a:p>
           <a:p>
             <a:pPr eaLnBrk="1" hangingPunct="1"/>
             <a:r>
               <a:rPr lang="en-US" dirty="0"/>
-              <a:t>Security and User Privacy</a:t>
-            </a:r>
-          </a:p>
-          <a:p>
-            <a:pPr eaLnBrk="1" hangingPunct="1"/>
+              <a:t>Scaling and Bottlenecks</a:t>
+            </a:r>
+          </a:p>
+          <a:p>
             <a:r>
               <a:rPr lang="en-US" i="1" dirty="0"/>
               <a:t>If time permits:</a:t>
@@ -8243,11 +9328,10 @@
             </a:r>
           </a:p>
           <a:p>
-            <a:pPr eaLnBrk="1" hangingPunct="1"/>
-            <a:r>
-              <a:rPr lang="en-US" dirty="0"/>
-              <a:t>Scaling and Bottlenecks</a:t>
-            </a:r>
+            <a:pPr marL="109728" indent="0" eaLnBrk="1" hangingPunct="1">
+              <a:buNone/>
+            </a:pPr>
+            <a:endParaRPr lang="en-US" dirty="0"/>
           </a:p>
         </p:txBody>
       </p:sp>
@@ -8289,7 +9373,219 @@
 </p:sld>
 </file>
 
-<file path=ppt/slides/slide4.xml><?xml version="1.0" encoding="utf-8"?>
+<file path=ppt/slides/slide5.xml><?xml version="1.0" encoding="utf-8"?>
+<p:sld xmlns:a="http://schemas.openxmlformats.org/drawingml/2006/main" xmlns:r="http://schemas.openxmlformats.org/officeDocument/2006/relationships" xmlns:p="http://schemas.openxmlformats.org/presentationml/2006/main">
+  <p:cSld>
+    <p:spTree>
+      <p:nvGrpSpPr>
+        <p:cNvPr id="1" name=""/>
+        <p:cNvGrpSpPr/>
+        <p:nvPr/>
+      </p:nvGrpSpPr>
+      <p:grpSpPr>
+        <a:xfrm>
+          <a:off x="0" y="0"/>
+          <a:ext cx="0" cy="0"/>
+          <a:chOff x="0" y="0"/>
+          <a:chExt cx="0" cy="0"/>
+        </a:xfrm>
+      </p:grpSpPr>
+      <p:sp>
+        <p:nvSpPr>
+          <p:cNvPr id="4" name="Content Placeholder 3">
+            <a:extLst>
+              <a:ext uri="{FF2B5EF4-FFF2-40B4-BE49-F238E27FC236}">
+                <a16:creationId xmlns:a16="http://schemas.microsoft.com/office/drawing/2014/main" id="{C4FDEF8F-D262-82B9-30DB-93594040AE5F}"/>
+              </a:ext>
+            </a:extLst>
+          </p:cNvPr>
+          <p:cNvSpPr>
+            <a:spLocks noGrp="1"/>
+          </p:cNvSpPr>
+          <p:nvPr>
+            <p:ph idx="1"/>
+          </p:nvPr>
+        </p:nvSpPr>
+        <p:spPr/>
+        <p:txBody>
+          <a:bodyPr>
+            <a:normAutofit fontScale="92500" lnSpcReduction="10000"/>
+          </a:bodyPr>
+          <a:lstStyle/>
+          <a:p>
+            <a:r>
+              <a:rPr lang="da-DK" dirty="0"/>
+              <a:t>Clean Architecture</a:t>
+            </a:r>
+          </a:p>
+          <a:p>
+            <a:r>
+              <a:rPr lang="da-DK" dirty="0"/>
+              <a:t>.NET 9 with C# 13</a:t>
+            </a:r>
+          </a:p>
+          <a:p>
+            <a:r>
+              <a:rPr lang="da-DK" dirty="0"/>
+              <a:t>Minimal API for performance</a:t>
+            </a:r>
+          </a:p>
+          <a:p>
+            <a:r>
+              <a:rPr lang="da-DK" dirty="0"/>
+              <a:t>REPR pattern</a:t>
+            </a:r>
+          </a:p>
+          <a:p>
+            <a:r>
+              <a:rPr lang="da-DK" dirty="0" err="1"/>
+              <a:t>MediatR</a:t>
+            </a:r>
+            <a:r>
+              <a:rPr lang="da-DK" dirty="0"/>
+              <a:t> ( *</a:t>
+            </a:r>
+            <a:r>
+              <a:rPr lang="da-DK" dirty="0" err="1"/>
+              <a:t>gasp</a:t>
+            </a:r>
+            <a:r>
+              <a:rPr lang="da-DK" dirty="0"/>
+              <a:t>* )</a:t>
+            </a:r>
+          </a:p>
+          <a:p>
+            <a:r>
+              <a:rPr lang="da-DK" dirty="0" err="1"/>
+              <a:t>Exceptions</a:t>
+            </a:r>
+            <a:r>
+              <a:rPr lang="da-DK" dirty="0"/>
+              <a:t> </a:t>
+            </a:r>
+            <a:r>
+              <a:rPr lang="da-DK" dirty="0" err="1"/>
+              <a:t>instead</a:t>
+            </a:r>
+            <a:r>
+              <a:rPr lang="da-DK" dirty="0"/>
+              <a:t> of </a:t>
+            </a:r>
+            <a:r>
+              <a:rPr lang="da-DK" dirty="0" err="1"/>
+              <a:t>Result</a:t>
+            </a:r>
+            <a:r>
+              <a:rPr lang="da-DK" dirty="0"/>
+              <a:t> Pattern, but…</a:t>
+            </a:r>
+          </a:p>
+          <a:p>
+            <a:endParaRPr lang="da-DK" dirty="0"/>
+          </a:p>
+          <a:p>
+            <a:r>
+              <a:rPr lang="da-DK" dirty="0"/>
+              <a:t>No unit tests (but a </a:t>
+            </a:r>
+            <a:r>
+              <a:rPr lang="da-DK" dirty="0" err="1"/>
+              <a:t>few</a:t>
+            </a:r>
+            <a:r>
+              <a:rPr lang="da-DK" dirty="0"/>
+              <a:t> </a:t>
+            </a:r>
+            <a:r>
+              <a:rPr lang="da-DK" dirty="0" err="1"/>
+              <a:t>architecture</a:t>
+            </a:r>
+            <a:r>
+              <a:rPr lang="da-DK" dirty="0"/>
+              <a:t> tests)</a:t>
+            </a:r>
+          </a:p>
+          <a:p>
+            <a:endParaRPr lang="da-DK" dirty="0"/>
+          </a:p>
+          <a:p>
+            <a:r>
+              <a:rPr lang="da-DK" dirty="0" err="1"/>
+              <a:t>Azure</a:t>
+            </a:r>
+            <a:r>
+              <a:rPr lang="da-DK" dirty="0"/>
+              <a:t> </a:t>
+            </a:r>
+            <a:r>
+              <a:rPr lang="da-DK" dirty="0" err="1"/>
+              <a:t>Blob</a:t>
+            </a:r>
+            <a:r>
+              <a:rPr lang="da-DK" dirty="0"/>
+              <a:t> Storage for </a:t>
+            </a:r>
+            <a:r>
+              <a:rPr lang="da-DK" dirty="0" err="1"/>
+              <a:t>uploads</a:t>
+            </a:r>
+            <a:endParaRPr lang="da-DK" dirty="0"/>
+          </a:p>
+          <a:p>
+            <a:r>
+              <a:rPr lang="da-DK" dirty="0"/>
+              <a:t>SQL Server for data</a:t>
+            </a:r>
+          </a:p>
+        </p:txBody>
+      </p:sp>
+      <p:sp>
+        <p:nvSpPr>
+          <p:cNvPr id="3" name="Title 2">
+            <a:extLst>
+              <a:ext uri="{FF2B5EF4-FFF2-40B4-BE49-F238E27FC236}">
+                <a16:creationId xmlns:a16="http://schemas.microsoft.com/office/drawing/2014/main" id="{72199E4A-0518-45FA-26D3-0448EE098230}"/>
+              </a:ext>
+            </a:extLst>
+          </p:cNvPr>
+          <p:cNvSpPr>
+            <a:spLocks noGrp="1"/>
+          </p:cNvSpPr>
+          <p:nvPr>
+            <p:ph type="title"/>
+          </p:nvPr>
+        </p:nvSpPr>
+        <p:spPr/>
+        <p:txBody>
+          <a:bodyPr/>
+          <a:lstStyle/>
+          <a:p>
+            <a:r>
+              <a:rPr lang="da-DK" dirty="0"/>
+              <a:t>Design </a:t>
+            </a:r>
+            <a:r>
+              <a:rPr lang="da-DK" dirty="0" err="1"/>
+              <a:t>Principles</a:t>
+            </a:r>
+            <a:endParaRPr lang="da-DK" dirty="0"/>
+          </a:p>
+        </p:txBody>
+      </p:sp>
+    </p:spTree>
+    <p:extLst>
+      <p:ext uri="{BB962C8B-B14F-4D97-AF65-F5344CB8AC3E}">
+        <p14:creationId xmlns:p14="http://schemas.microsoft.com/office/powerpoint/2010/main" val="512685020"/>
+      </p:ext>
+    </p:extLst>
+  </p:cSld>
+  <p:clrMapOvr>
+    <a:masterClrMapping/>
+  </p:clrMapOvr>
+</p:sld>
+</file>
+
+<file path=ppt/slides/slide6.xml><?xml version="1.0" encoding="utf-8"?>
 <p:sld xmlns:a="http://schemas.openxmlformats.org/drawingml/2006/main" xmlns:r="http://schemas.openxmlformats.org/officeDocument/2006/relationships" xmlns:p="http://schemas.openxmlformats.org/presentationml/2006/main">
   <p:cSld>
     <p:spTree>
@@ -10403,7 +11699,7 @@
 </p:sld>
 </file>
 
-<file path=ppt/slides/slide5.xml><?xml version="1.0" encoding="utf-8"?>
+<file path=ppt/slides/slide7.xml><?xml version="1.0" encoding="utf-8"?>
 <p:sld xmlns:a="http://schemas.openxmlformats.org/drawingml/2006/main" xmlns:r="http://schemas.openxmlformats.org/officeDocument/2006/relationships" xmlns:p="http://schemas.openxmlformats.org/presentationml/2006/main">
   <p:cSld>
     <p:spTree>
@@ -15002,7 +16298,7 @@
 </p:sld>
 </file>
 
-<file path=ppt/slides/slide6.xml><?xml version="1.0" encoding="utf-8"?>
+<file path=ppt/slides/slide8.xml><?xml version="1.0" encoding="utf-8"?>
 <p:sld xmlns:a="http://schemas.openxmlformats.org/drawingml/2006/main" xmlns:r="http://schemas.openxmlformats.org/officeDocument/2006/relationships" xmlns:p="http://schemas.openxmlformats.org/presentationml/2006/main">
   <p:cSld>
     <p:spTree>
@@ -18153,87 +19449,7 @@
 </p:sld>
 </file>
 
-<file path=ppt/slides/slide7.xml><?xml version="1.0" encoding="utf-8"?>
-<p:sld xmlns:a="http://schemas.openxmlformats.org/drawingml/2006/main" xmlns:r="http://schemas.openxmlformats.org/officeDocument/2006/relationships" xmlns:p="http://schemas.openxmlformats.org/presentationml/2006/main">
-  <p:cSld>
-    <p:spTree>
-      <p:nvGrpSpPr>
-        <p:cNvPr id="1" name="">
-          <a:extLst>
-            <a:ext uri="{FF2B5EF4-FFF2-40B4-BE49-F238E27FC236}">
-              <a16:creationId xmlns:a16="http://schemas.microsoft.com/office/drawing/2014/main" id="{E48929E8-FF47-A5BC-6BF2-C3683CFFF771}"/>
-            </a:ext>
-          </a:extLst>
-        </p:cNvPr>
-        <p:cNvGrpSpPr/>
-        <p:nvPr/>
-      </p:nvGrpSpPr>
-      <p:grpSpPr>
-        <a:xfrm>
-          <a:off x="0" y="0"/>
-          <a:ext cx="0" cy="0"/>
-          <a:chOff x="0" y="0"/>
-          <a:chExt cx="0" cy="0"/>
-        </a:xfrm>
-      </p:grpSpPr>
-      <p:sp>
-        <p:nvSpPr>
-          <p:cNvPr id="4" name="Title 3">
-            <a:extLst>
-              <a:ext uri="{FF2B5EF4-FFF2-40B4-BE49-F238E27FC236}">
-                <a16:creationId xmlns:a16="http://schemas.microsoft.com/office/drawing/2014/main" id="{2CFF7B6A-5442-5C75-EBC7-D14C958C7B5B}"/>
-              </a:ext>
-            </a:extLst>
-          </p:cNvPr>
-          <p:cNvSpPr>
-            <a:spLocks noGrp="1"/>
-          </p:cNvSpPr>
-          <p:nvPr>
-            <p:ph type="title"/>
-          </p:nvPr>
-        </p:nvSpPr>
-        <p:spPr/>
-        <p:txBody>
-          <a:bodyPr/>
-          <a:lstStyle/>
-          <a:p>
-            <a:r>
-              <a:rPr lang="da-DK" dirty="0"/>
-              <a:t>Part 2: </a:t>
-            </a:r>
-            <a:r>
-              <a:rPr lang="da-DK" dirty="0" err="1"/>
-              <a:t>Leadership</a:t>
-            </a:r>
-            <a:r>
-              <a:rPr lang="da-DK" dirty="0"/>
-              <a:t> and </a:t>
-            </a:r>
-            <a:r>
-              <a:rPr lang="da-DK" dirty="0" err="1"/>
-              <a:t>Communication</a:t>
-            </a:r>
-            <a:endParaRPr lang="da-DK" dirty="0"/>
-          </a:p>
-        </p:txBody>
-      </p:sp>
-    </p:spTree>
-    <p:extLst>
-      <p:ext uri="{BB962C8B-B14F-4D97-AF65-F5344CB8AC3E}">
-        <p14:creationId xmlns:p14="http://schemas.microsoft.com/office/powerpoint/2010/main" val="999278564"/>
-      </p:ext>
-    </p:extLst>
-  </p:cSld>
-  <p:clrMapOvr>
-    <a:masterClrMapping/>
-  </p:clrMapOvr>
-  <p:transition>
-    <p:wipe dir="u"/>
-  </p:transition>
-</p:sld>
-</file>
-
-<file path=ppt/slides/slide8.xml><?xml version="1.0" encoding="utf-8"?>
+<file path=ppt/slides/slide9.xml><?xml version="1.0" encoding="utf-8"?>
 <p:sld xmlns:a="http://schemas.openxmlformats.org/drawingml/2006/main" xmlns:r="http://schemas.openxmlformats.org/officeDocument/2006/relationships" xmlns:p="http://schemas.openxmlformats.org/presentationml/2006/main">
   <p:cSld>
     <p:spTree>
@@ -18255,7 +19471,7 @@
           <p:cNvPr id="2" name="Content Placeholder 1">
             <a:extLst>
               <a:ext uri="{FF2B5EF4-FFF2-40B4-BE49-F238E27FC236}">
-                <a16:creationId xmlns:a16="http://schemas.microsoft.com/office/drawing/2014/main" id="{3B8AA172-08A3-58D2-F093-34EC9C7E2582}"/>
+                <a16:creationId xmlns:a16="http://schemas.microsoft.com/office/drawing/2014/main" id="{FCB3783E-5C6F-6847-8562-C05F44E0671A}"/>
               </a:ext>
             </a:extLst>
           </p:cNvPr>
@@ -18273,44 +19489,80 @@
           <a:p>
             <a:r>
               <a:rPr lang="da-DK" dirty="0"/>
-              <a:t>Short </a:t>
+              <a:t>JWT </a:t>
             </a:r>
             <a:r>
               <a:rPr lang="da-DK" dirty="0" err="1"/>
-              <a:t>presentation</a:t>
-            </a:r>
+              <a:t>tokens</a:t>
+            </a:r>
+            <a:endParaRPr lang="da-DK" dirty="0"/>
+          </a:p>
+          <a:p>
+            <a:endParaRPr lang="da-DK" dirty="0"/>
+          </a:p>
+          <a:p>
             <a:r>
               <a:rPr lang="da-DK" dirty="0"/>
-              <a:t> of the system for stakeholders</a:t>
+              <a:t>Permissions</a:t>
+            </a:r>
+          </a:p>
+          <a:p>
+            <a:pPr lvl="1"/>
+            <a:r>
+              <a:rPr lang="da-DK" b="1" dirty="0" err="1"/>
+              <a:t>create:submission</a:t>
+            </a:r>
+            <a:endParaRPr lang="da-DK" b="1" dirty="0"/>
+          </a:p>
+          <a:p>
+            <a:pPr lvl="1"/>
+            <a:r>
+              <a:rPr lang="da-DK" dirty="0"/>
+              <a:t>…</a:t>
             </a:r>
           </a:p>
           <a:p>
             <a:r>
               <a:rPr lang="da-DK" dirty="0" err="1"/>
-              <a:t>Prioritization</a:t>
-            </a:r>
-            <a:r>
-              <a:rPr lang="da-DK" dirty="0"/>
-              <a:t> </a:t>
-            </a:r>
+              <a:t>Roles</a:t>
+            </a:r>
+            <a:endParaRPr lang="da-DK" dirty="0"/>
+          </a:p>
+          <a:p>
+            <a:pPr lvl="1"/>
+            <a:r>
+              <a:rPr lang="da-DK" b="1" dirty="0" err="1"/>
+              <a:t>Admin</a:t>
+            </a:r>
+            <a:endParaRPr lang="da-DK" b="1" dirty="0"/>
+          </a:p>
+          <a:p>
             <a:r>
               <a:rPr lang="da-DK" dirty="0" err="1"/>
-              <a:t>influenced</a:t>
-            </a:r>
-            <a:r>
-              <a:rPr lang="da-DK" dirty="0"/>
-              <a:t> by stakeholders</a:t>
-            </a:r>
-          </a:p>
-          <a:p>
-            <a:r>
-              <a:rPr lang="da-DK" dirty="0"/>
-              <a:t>Challenges in team </a:t>
-            </a:r>
-            <a:r>
-              <a:rPr lang="da-DK" dirty="0" err="1"/>
-              <a:t>collaboration</a:t>
-            </a:r>
+              <a:t>Policies</a:t>
+            </a:r>
+            <a:endParaRPr lang="da-DK" dirty="0"/>
+          </a:p>
+          <a:p>
+            <a:pPr lvl="1"/>
+            <a:r>
+              <a:rPr lang="da-DK" b="1" dirty="0"/>
+              <a:t>Self-or-</a:t>
+            </a:r>
+            <a:r>
+              <a:rPr lang="da-DK" b="1" dirty="0" err="1"/>
+              <a:t>Admin</a:t>
+            </a:r>
+            <a:endParaRPr lang="da-DK" b="1" dirty="0"/>
+          </a:p>
+          <a:p>
+            <a:pPr lvl="1"/>
+            <a:r>
+              <a:rPr lang="da-DK" b="1" dirty="0"/>
+              <a:t>Not-Self</a:t>
+            </a:r>
+          </a:p>
+          <a:p>
             <a:endParaRPr lang="da-DK" dirty="0"/>
           </a:p>
         </p:txBody>
@@ -18320,7 +19572,7 @@
           <p:cNvPr id="3" name="Title 2">
             <a:extLst>
               <a:ext uri="{FF2B5EF4-FFF2-40B4-BE49-F238E27FC236}">
-                <a16:creationId xmlns:a16="http://schemas.microsoft.com/office/drawing/2014/main" id="{5EED856B-B4D8-ECA2-B78B-5083B008DB5A}"/>
+                <a16:creationId xmlns:a16="http://schemas.microsoft.com/office/drawing/2014/main" id="{BE673F6C-D2E6-44A5-B87B-A6F304608A8B}"/>
               </a:ext>
             </a:extLst>
           </p:cNvPr>
@@ -18338,108 +19590,20 @@
           <a:p>
             <a:r>
               <a:rPr lang="da-DK" dirty="0"/>
-              <a:t>Part 2 Agenda</a:t>
-            </a:r>
+              <a:t>Security and User </a:t>
+            </a:r>
+            <a:r>
+              <a:rPr lang="da-DK" dirty="0" err="1"/>
+              <a:t>Privacy</a:t>
+            </a:r>
+            <a:endParaRPr lang="da-DK" dirty="0"/>
           </a:p>
         </p:txBody>
       </p:sp>
     </p:spTree>
     <p:extLst>
       <p:ext uri="{BB962C8B-B14F-4D97-AF65-F5344CB8AC3E}">
-        <p14:creationId xmlns:p14="http://schemas.microsoft.com/office/powerpoint/2010/main" val="1744374917"/>
-      </p:ext>
-    </p:extLst>
-  </p:cSld>
-  <p:clrMapOvr>
-    <a:masterClrMapping/>
-  </p:clrMapOvr>
-</p:sld>
-</file>
-
-<file path=ppt/slides/slide9.xml><?xml version="1.0" encoding="utf-8"?>
-<p:sld xmlns:a="http://schemas.openxmlformats.org/drawingml/2006/main" xmlns:r="http://schemas.openxmlformats.org/officeDocument/2006/relationships" xmlns:p="http://schemas.openxmlformats.org/presentationml/2006/main">
-  <p:cSld>
-    <p:spTree>
-      <p:nvGrpSpPr>
-        <p:cNvPr id="1" name="">
-          <a:extLst>
-            <a:ext uri="{FF2B5EF4-FFF2-40B4-BE49-F238E27FC236}">
-              <a16:creationId xmlns:a16="http://schemas.microsoft.com/office/drawing/2014/main" id="{54D30A38-8E37-ECFA-F838-6C038B075D03}"/>
-            </a:ext>
-          </a:extLst>
-        </p:cNvPr>
-        <p:cNvGrpSpPr/>
-        <p:nvPr/>
-      </p:nvGrpSpPr>
-      <p:grpSpPr>
-        <a:xfrm>
-          <a:off x="0" y="0"/>
-          <a:ext cx="0" cy="0"/>
-          <a:chOff x="0" y="0"/>
-          <a:chExt cx="0" cy="0"/>
-        </a:xfrm>
-      </p:grpSpPr>
-      <p:sp>
-        <p:nvSpPr>
-          <p:cNvPr id="2" name="Content Placeholder 1">
-            <a:extLst>
-              <a:ext uri="{FF2B5EF4-FFF2-40B4-BE49-F238E27FC236}">
-                <a16:creationId xmlns:a16="http://schemas.microsoft.com/office/drawing/2014/main" id="{BA16FB94-9F0E-F8D3-1073-B1CA6E5BA0FA}"/>
-              </a:ext>
-            </a:extLst>
-          </p:cNvPr>
-          <p:cNvSpPr>
-            <a:spLocks noGrp="1"/>
-          </p:cNvSpPr>
-          <p:nvPr>
-            <p:ph idx="1"/>
-          </p:nvPr>
-        </p:nvSpPr>
-        <p:spPr/>
-        <p:txBody>
-          <a:bodyPr/>
-          <a:lstStyle/>
-          <a:p>
-            <a:endParaRPr lang="da-DK"/>
-          </a:p>
-        </p:txBody>
-      </p:sp>
-      <p:sp>
-        <p:nvSpPr>
-          <p:cNvPr id="3" name="Title 2">
-            <a:extLst>
-              <a:ext uri="{FF2B5EF4-FFF2-40B4-BE49-F238E27FC236}">
-                <a16:creationId xmlns:a16="http://schemas.microsoft.com/office/drawing/2014/main" id="{131CE621-5A5A-653C-9CCD-C85EFE79E862}"/>
-              </a:ext>
-            </a:extLst>
-          </p:cNvPr>
-          <p:cNvSpPr>
-            <a:spLocks noGrp="1"/>
-          </p:cNvSpPr>
-          <p:nvPr>
-            <p:ph type="title"/>
-          </p:nvPr>
-        </p:nvSpPr>
-        <p:spPr/>
-        <p:txBody>
-          <a:bodyPr/>
-          <a:lstStyle/>
-          <a:p>
-            <a:r>
-              <a:rPr lang="da-DK" dirty="0" err="1"/>
-              <a:t>Questions</a:t>
-            </a:r>
-            <a:r>
-              <a:rPr lang="da-DK" dirty="0"/>
-              <a:t>…?</a:t>
-            </a:r>
-          </a:p>
-        </p:txBody>
-      </p:sp>
-    </p:spTree>
-    <p:extLst>
-      <p:ext uri="{BB962C8B-B14F-4D97-AF65-F5344CB8AC3E}">
-        <p14:creationId xmlns:p14="http://schemas.microsoft.com/office/powerpoint/2010/main" val="3346049628"/>
+        <p14:creationId xmlns:p14="http://schemas.microsoft.com/office/powerpoint/2010/main" val="1449776558"/>
       </p:ext>
     </p:extLst>
   </p:cSld>

--- a/presentation/Presentation.pptx
+++ b/presentation/Presentation.pptx
@@ -6,10 +6,10 @@
     <p:sldMasterId id="2147483722" r:id="rId2"/>
   </p:sldMasterIdLst>
   <p:notesMasterIdLst>
-    <p:notesMasterId r:id="rId17"/>
+    <p:notesMasterId r:id="rId18"/>
   </p:notesMasterIdLst>
   <p:handoutMasterIdLst>
-    <p:handoutMasterId r:id="rId18"/>
+    <p:handoutMasterId r:id="rId19"/>
   </p:handoutMasterIdLst>
   <p:sldIdLst>
     <p:sldId id="256" r:id="rId3"/>
@@ -25,7 +25,8 @@
     <p:sldId id="1116" r:id="rId13"/>
     <p:sldId id="1111" r:id="rId14"/>
     <p:sldId id="1109" r:id="rId15"/>
-    <p:sldId id="1112" r:id="rId16"/>
+    <p:sldId id="1119" r:id="rId16"/>
+    <p:sldId id="1112" r:id="rId17"/>
   </p:sldIdLst>
   <p:sldSz cx="12192000" cy="6858000"/>
   <p:notesSz cx="6858000" cy="10013950"/>
@@ -8728,6 +8729,28 @@
             </a:r>
           </a:p>
           <a:p>
+            <a:pPr lvl="1"/>
+            <a:endParaRPr lang="da-DK" dirty="0"/>
+          </a:p>
+          <a:p>
+            <a:r>
+              <a:rPr lang="da-DK" dirty="0" err="1"/>
+              <a:t>Transactional</a:t>
+            </a:r>
+            <a:r>
+              <a:rPr lang="da-DK" dirty="0"/>
+              <a:t> </a:t>
+            </a:r>
+            <a:r>
+              <a:rPr lang="da-DK" dirty="0" err="1"/>
+              <a:t>considerations</a:t>
+            </a:r>
+            <a:endParaRPr lang="da-DK" dirty="0"/>
+          </a:p>
+          <a:p>
+            <a:endParaRPr lang="da-DK" dirty="0"/>
+          </a:p>
+          <a:p>
             <a:endParaRPr lang="da-DK" dirty="0"/>
           </a:p>
         </p:txBody>
@@ -8990,6 +9013,89 @@
   <p:cSld>
     <p:spTree>
       <p:nvGrpSpPr>
+        <p:cNvPr id="1" name=""/>
+        <p:cNvGrpSpPr/>
+        <p:nvPr/>
+      </p:nvGrpSpPr>
+      <p:grpSpPr>
+        <a:xfrm>
+          <a:off x="0" y="0"/>
+          <a:ext cx="0" cy="0"/>
+          <a:chOff x="0" y="0"/>
+          <a:chExt cx="0" cy="0"/>
+        </a:xfrm>
+      </p:grpSpPr>
+      <p:sp>
+        <p:nvSpPr>
+          <p:cNvPr id="2" name="Content Placeholder 1">
+            <a:extLst>
+              <a:ext uri="{FF2B5EF4-FFF2-40B4-BE49-F238E27FC236}">
+                <a16:creationId xmlns:a16="http://schemas.microsoft.com/office/drawing/2014/main" id="{B8015853-07AC-1C37-C433-AF55E16722F3}"/>
+              </a:ext>
+            </a:extLst>
+          </p:cNvPr>
+          <p:cNvSpPr>
+            <a:spLocks noGrp="1"/>
+          </p:cNvSpPr>
+          <p:nvPr>
+            <p:ph idx="1"/>
+          </p:nvPr>
+        </p:nvSpPr>
+        <p:spPr/>
+        <p:txBody>
+          <a:bodyPr/>
+          <a:lstStyle/>
+          <a:p>
+            <a:endParaRPr lang="da-DK"/>
+          </a:p>
+        </p:txBody>
+      </p:sp>
+      <p:sp>
+        <p:nvSpPr>
+          <p:cNvPr id="3" name="Title 2">
+            <a:extLst>
+              <a:ext uri="{FF2B5EF4-FFF2-40B4-BE49-F238E27FC236}">
+                <a16:creationId xmlns:a16="http://schemas.microsoft.com/office/drawing/2014/main" id="{F463DC9F-0825-C8A3-4BE5-41ACAF277527}"/>
+              </a:ext>
+            </a:extLst>
+          </p:cNvPr>
+          <p:cNvSpPr>
+            <a:spLocks noGrp="1"/>
+          </p:cNvSpPr>
+          <p:nvPr>
+            <p:ph type="title"/>
+          </p:nvPr>
+        </p:nvSpPr>
+        <p:spPr/>
+        <p:txBody>
+          <a:bodyPr/>
+          <a:lstStyle/>
+          <a:p>
+            <a:r>
+              <a:rPr lang="da-DK" dirty="0"/>
+              <a:t>Microsoft Whiteboard </a:t>
+            </a:r>
+          </a:p>
+        </p:txBody>
+      </p:sp>
+    </p:spTree>
+    <p:extLst>
+      <p:ext uri="{BB962C8B-B14F-4D97-AF65-F5344CB8AC3E}">
+        <p14:creationId xmlns:p14="http://schemas.microsoft.com/office/powerpoint/2010/main" val="2140291684"/>
+      </p:ext>
+    </p:extLst>
+  </p:cSld>
+  <p:clrMapOvr>
+    <a:masterClrMapping/>
+  </p:clrMapOvr>
+</p:sld>
+</file>
+
+<file path=ppt/slides/slide15.xml><?xml version="1.0" encoding="utf-8"?>
+<p:sld xmlns:a="http://schemas.openxmlformats.org/drawingml/2006/main" xmlns:r="http://schemas.openxmlformats.org/officeDocument/2006/relationships" xmlns:p="http://schemas.openxmlformats.org/presentationml/2006/main">
+  <p:cSld>
+    <p:spTree>
+      <p:nvGrpSpPr>
         <p:cNvPr id="1" name="">
           <a:extLst>
             <a:ext uri="{FF2B5EF4-FFF2-40B4-BE49-F238E27FC236}">
@@ -9118,14 +9224,32 @@
           <a:p>
             <a:r>
               <a:rPr lang="da-DK" dirty="0"/>
-              <a:t>Part 1</a:t>
-            </a:r>
+              <a:t>Part 1: Engineering the NPU </a:t>
+            </a:r>
+            <a:r>
+              <a:rPr lang="da-DK" dirty="0" err="1"/>
+              <a:t>Backend</a:t>
+            </a:r>
+            <a:endParaRPr lang="da-DK" dirty="0"/>
           </a:p>
           <a:p>
             <a:r>
               <a:rPr lang="da-DK" dirty="0"/>
-              <a:t>Part 2</a:t>
-            </a:r>
+              <a:t>Part 2: </a:t>
+            </a:r>
+            <a:r>
+              <a:rPr lang="da-DK" dirty="0" err="1"/>
+              <a:t>Leadership</a:t>
+            </a:r>
+            <a:r>
+              <a:rPr lang="da-DK" dirty="0"/>
+              <a:t> and </a:t>
+            </a:r>
+            <a:r>
+              <a:rPr lang="da-DK" dirty="0" err="1"/>
+              <a:t>Communication</a:t>
+            </a:r>
+            <a:endParaRPr lang="da-DK" dirty="0"/>
           </a:p>
           <a:p>
             <a:endParaRPr lang="da-DK" dirty="0"/>
